--- a/Burndown & Velocity/Cycle 3/V3.5.1 [2021-12-28] Burndown Velocity Sprint 3-5.pptx
+++ b/Burndown & Velocity/Cycle 3/V3.5.1 [2021-12-28] Burndown Velocity Sprint 3-5.pptx
@@ -570,6 +570,28 @@
                 </c:ext>
               </c:extLst>
             </c:dLbl>
+            <c:dLbl>
+              <c:idx val="4"/>
+              <c:layout>
+                <c:manualLayout>
+                  <c:x val="-1.3047490157480888E-3"/>
+                  <c:y val="-3.2736279974392227E-2"/>
+                </c:manualLayout>
+              </c:layout>
+              <c:dLblPos val="r"/>
+              <c:showLegendKey val="0"/>
+              <c:showVal val="1"/>
+              <c:showCatName val="0"/>
+              <c:showSerName val="0"/>
+              <c:showPercent val="0"/>
+              <c:showBubbleSize val="0"/>
+              <c:extLst>
+                <c:ext xmlns:c15="http://schemas.microsoft.com/office/drawing/2012/chart" uri="{CE6537A1-D6FC-4f65-9D91-7224C49458BB}"/>
+                <c:ext xmlns:c16="http://schemas.microsoft.com/office/drawing/2014/chart" uri="{C3380CC4-5D6E-409C-BE32-E72D297353CC}">
+                  <c16:uniqueId val="{00000001-AE2E-413D-BA90-302177969F45}"/>
+                </c:ext>
+              </c:extLst>
+            </c:dLbl>
             <c:numFmt formatCode="#,##0" sourceLinked="0"/>
             <c:spPr>
               <a:noFill/>
@@ -660,19 +682,19 @@
                 <c:formatCode>General</c:formatCode>
                 <c:ptCount val="10"/>
                 <c:pt idx="0">
-                  <c:v>500</c:v>
+                  <c:v>497</c:v>
                 </c:pt>
                 <c:pt idx="1">
-                  <c:v>371</c:v>
+                  <c:v>368</c:v>
                 </c:pt>
                 <c:pt idx="2">
-                  <c:v>251</c:v>
+                  <c:v>248</c:v>
                 </c:pt>
                 <c:pt idx="3">
-                  <c:v>146</c:v>
+                  <c:v>143</c:v>
                 </c:pt>
                 <c:pt idx="4">
-                  <c:v>42</c:v>
+                  <c:v>39</c:v>
                 </c:pt>
                 <c:pt idx="5">
                   <c:v>0</c:v>
@@ -1267,6 +1289,28 @@
                 </c:ext>
               </c:extLst>
             </c:dLbl>
+            <c:dLbl>
+              <c:idx val="4"/>
+              <c:layout>
+                <c:manualLayout>
+                  <c:x val="-1.2242249015748089E-2"/>
+                  <c:y val="2.5857466421169633E-2"/>
+                </c:manualLayout>
+              </c:layout>
+              <c:dLblPos val="r"/>
+              <c:showLegendKey val="0"/>
+              <c:showVal val="1"/>
+              <c:showCatName val="0"/>
+              <c:showSerName val="0"/>
+              <c:showPercent val="0"/>
+              <c:showBubbleSize val="0"/>
+              <c:extLst>
+                <c:ext xmlns:c15="http://schemas.microsoft.com/office/drawing/2012/chart" uri="{CE6537A1-D6FC-4f65-9D91-7224C49458BB}"/>
+                <c:ext xmlns:c16="http://schemas.microsoft.com/office/drawing/2014/chart" uri="{C3380CC4-5D6E-409C-BE32-E72D297353CC}">
+                  <c16:uniqueId val="{00000001-8DBB-4FEA-A391-8B2EB5F15CC6}"/>
+                </c:ext>
+              </c:extLst>
+            </c:dLbl>
             <c:spPr>
               <a:noFill/>
               <a:ln>
@@ -1365,7 +1409,7 @@
                   <c:v>104</c:v>
                 </c:pt>
                 <c:pt idx="4">
-                  <c:v>42</c:v>
+                  <c:v>39</c:v>
                 </c:pt>
               </c:numCache>
             </c:numRef>
@@ -2806,7 +2850,7 @@
           <a:p>
             <a:fld id="{12C3E8BB-F70B-41C7-A2C4-69BE80B44BDC}" type="datetimeFigureOut">
               <a:rPr lang="th-TH" smtClean="0"/>
-              <a:t>28/12/64</a:t>
+              <a:t>08/01/65</a:t>
             </a:fld>
             <a:endParaRPr lang="th-TH"/>
           </a:p>
@@ -3004,7 +3048,7 @@
           <a:p>
             <a:fld id="{12C3E8BB-F70B-41C7-A2C4-69BE80B44BDC}" type="datetimeFigureOut">
               <a:rPr lang="th-TH" smtClean="0"/>
-              <a:t>28/12/64</a:t>
+              <a:t>08/01/65</a:t>
             </a:fld>
             <a:endParaRPr lang="th-TH"/>
           </a:p>
@@ -3212,7 +3256,7 @@
           <a:p>
             <a:fld id="{12C3E8BB-F70B-41C7-A2C4-69BE80B44BDC}" type="datetimeFigureOut">
               <a:rPr lang="th-TH" smtClean="0"/>
-              <a:t>28/12/64</a:t>
+              <a:t>08/01/65</a:t>
             </a:fld>
             <a:endParaRPr lang="th-TH"/>
           </a:p>
@@ -3410,7 +3454,7 @@
           <a:p>
             <a:fld id="{12C3E8BB-F70B-41C7-A2C4-69BE80B44BDC}" type="datetimeFigureOut">
               <a:rPr lang="th-TH" smtClean="0"/>
-              <a:t>28/12/64</a:t>
+              <a:t>08/01/65</a:t>
             </a:fld>
             <a:endParaRPr lang="th-TH"/>
           </a:p>
@@ -3685,7 +3729,7 @@
           <a:p>
             <a:fld id="{12C3E8BB-F70B-41C7-A2C4-69BE80B44BDC}" type="datetimeFigureOut">
               <a:rPr lang="th-TH" smtClean="0"/>
-              <a:t>28/12/64</a:t>
+              <a:t>08/01/65</a:t>
             </a:fld>
             <a:endParaRPr lang="th-TH"/>
           </a:p>
@@ -3950,7 +3994,7 @@
           <a:p>
             <a:fld id="{12C3E8BB-F70B-41C7-A2C4-69BE80B44BDC}" type="datetimeFigureOut">
               <a:rPr lang="th-TH" smtClean="0"/>
-              <a:t>28/12/64</a:t>
+              <a:t>08/01/65</a:t>
             </a:fld>
             <a:endParaRPr lang="th-TH"/>
           </a:p>
@@ -4362,7 +4406,7 @@
           <a:p>
             <a:fld id="{12C3E8BB-F70B-41C7-A2C4-69BE80B44BDC}" type="datetimeFigureOut">
               <a:rPr lang="th-TH" smtClean="0"/>
-              <a:t>28/12/64</a:t>
+              <a:t>08/01/65</a:t>
             </a:fld>
             <a:endParaRPr lang="th-TH"/>
           </a:p>
@@ -4503,7 +4547,7 @@
           <a:p>
             <a:fld id="{12C3E8BB-F70B-41C7-A2C4-69BE80B44BDC}" type="datetimeFigureOut">
               <a:rPr lang="th-TH" smtClean="0"/>
-              <a:t>28/12/64</a:t>
+              <a:t>08/01/65</a:t>
             </a:fld>
             <a:endParaRPr lang="th-TH"/>
           </a:p>
@@ -4616,7 +4660,7 @@
           <a:p>
             <a:fld id="{12C3E8BB-F70B-41C7-A2C4-69BE80B44BDC}" type="datetimeFigureOut">
               <a:rPr lang="th-TH" smtClean="0"/>
-              <a:t>28/12/64</a:t>
+              <a:t>08/01/65</a:t>
             </a:fld>
             <a:endParaRPr lang="th-TH"/>
           </a:p>
@@ -4927,7 +4971,7 @@
           <a:p>
             <a:fld id="{12C3E8BB-F70B-41C7-A2C4-69BE80B44BDC}" type="datetimeFigureOut">
               <a:rPr lang="th-TH" smtClean="0"/>
-              <a:t>28/12/64</a:t>
+              <a:t>08/01/65</a:t>
             </a:fld>
             <a:endParaRPr lang="th-TH"/>
           </a:p>
@@ -5215,7 +5259,7 @@
           <a:p>
             <a:fld id="{12C3E8BB-F70B-41C7-A2C4-69BE80B44BDC}" type="datetimeFigureOut">
               <a:rPr lang="th-TH" smtClean="0"/>
-              <a:t>28/12/64</a:t>
+              <a:t>08/01/65</a:t>
             </a:fld>
             <a:endParaRPr lang="th-TH"/>
           </a:p>
@@ -5456,7 +5500,7 @@
           <a:p>
             <a:fld id="{12C3E8BB-F70B-41C7-A2C4-69BE80B44BDC}" type="datetimeFigureOut">
               <a:rPr lang="th-TH" smtClean="0"/>
-              <a:t>28/12/64</a:t>
+              <a:t>08/01/65</a:t>
             </a:fld>
             <a:endParaRPr lang="th-TH"/>
           </a:p>
@@ -5886,7 +5930,7 @@
           <p:nvPr>
             <p:extLst>
               <p:ext uri="{D42A27DB-BD31-4B8C-83A1-F6EECF244321}">
-                <p14:modId xmlns:p14="http://schemas.microsoft.com/office/powerpoint/2010/main" val="2022053188"/>
+                <p14:modId xmlns:p14="http://schemas.microsoft.com/office/powerpoint/2010/main" val="2451219203"/>
               </p:ext>
             </p:extLst>
           </p:nvPr>
@@ -5944,7 +5988,7 @@
           <p:nvPr>
             <p:extLst>
               <p:ext uri="{D42A27DB-BD31-4B8C-83A1-F6EECF244321}">
-                <p14:modId xmlns:p14="http://schemas.microsoft.com/office/powerpoint/2010/main" val="4141415929"/>
+                <p14:modId xmlns:p14="http://schemas.microsoft.com/office/powerpoint/2010/main" val="3689987213"/>
               </p:ext>
             </p:extLst>
           </p:nvPr>
